--- a/papers/Case2016/pictures/pdf/CoverPhoto.pptx
+++ b/papers/Case2016/pictures/pdf/CoverPhoto.pptx
@@ -6,7 +6,6 @@
   </p:sldMasterIdLst>
   <p:sldIdLst>
     <p:sldId id="256" r:id="rId2"/>
-    <p:sldId id="257" r:id="rId3"/>
   </p:sldIdLst>
   <p:sldSz cx="5486400" cy="6858000"/>
   <p:notesSz cx="6858000" cy="9144000"/>
@@ -289,7 +288,7 @@
           <a:p>
             <a:fld id="{11760CE0-2B69-B54B-8FC7-76920B86A41F}" type="datetimeFigureOut">
               <a:rPr lang="en-US" smtClean="0"/>
-              <a:t>3/27/16</a:t>
+              <a:t>6/30/16</a:t>
             </a:fld>
             <a:endParaRPr lang="en-US"/>
           </a:p>
@@ -459,7 +458,7 @@
           <a:p>
             <a:fld id="{11760CE0-2B69-B54B-8FC7-76920B86A41F}" type="datetimeFigureOut">
               <a:rPr lang="en-US" smtClean="0"/>
-              <a:t>3/27/16</a:t>
+              <a:t>6/30/16</a:t>
             </a:fld>
             <a:endParaRPr lang="en-US"/>
           </a:p>
@@ -639,7 +638,7 @@
           <a:p>
             <a:fld id="{11760CE0-2B69-B54B-8FC7-76920B86A41F}" type="datetimeFigureOut">
               <a:rPr lang="en-US" smtClean="0"/>
-              <a:t>3/27/16</a:t>
+              <a:t>6/30/16</a:t>
             </a:fld>
             <a:endParaRPr lang="en-US"/>
           </a:p>
@@ -809,7 +808,7 @@
           <a:p>
             <a:fld id="{11760CE0-2B69-B54B-8FC7-76920B86A41F}" type="datetimeFigureOut">
               <a:rPr lang="en-US" smtClean="0"/>
-              <a:t>3/27/16</a:t>
+              <a:t>6/30/16</a:t>
             </a:fld>
             <a:endParaRPr lang="en-US"/>
           </a:p>
@@ -1055,7 +1054,7 @@
           <a:p>
             <a:fld id="{11760CE0-2B69-B54B-8FC7-76920B86A41F}" type="datetimeFigureOut">
               <a:rPr lang="en-US" smtClean="0"/>
-              <a:t>3/27/16</a:t>
+              <a:t>6/30/16</a:t>
             </a:fld>
             <a:endParaRPr lang="en-US"/>
           </a:p>
@@ -1343,7 +1342,7 @@
           <a:p>
             <a:fld id="{11760CE0-2B69-B54B-8FC7-76920B86A41F}" type="datetimeFigureOut">
               <a:rPr lang="en-US" smtClean="0"/>
-              <a:t>3/27/16</a:t>
+              <a:t>6/30/16</a:t>
             </a:fld>
             <a:endParaRPr lang="en-US"/>
           </a:p>
@@ -1770,7 +1769,7 @@
           <a:p>
             <a:fld id="{11760CE0-2B69-B54B-8FC7-76920B86A41F}" type="datetimeFigureOut">
               <a:rPr lang="en-US" smtClean="0"/>
-              <a:t>3/27/16</a:t>
+              <a:t>6/30/16</a:t>
             </a:fld>
             <a:endParaRPr lang="en-US"/>
           </a:p>
@@ -1888,7 +1887,7 @@
           <a:p>
             <a:fld id="{11760CE0-2B69-B54B-8FC7-76920B86A41F}" type="datetimeFigureOut">
               <a:rPr lang="en-US" smtClean="0"/>
-              <a:t>3/27/16</a:t>
+              <a:t>6/30/16</a:t>
             </a:fld>
             <a:endParaRPr lang="en-US"/>
           </a:p>
@@ -1983,7 +1982,7 @@
           <a:p>
             <a:fld id="{11760CE0-2B69-B54B-8FC7-76920B86A41F}" type="datetimeFigureOut">
               <a:rPr lang="en-US" smtClean="0"/>
-              <a:t>3/27/16</a:t>
+              <a:t>6/30/16</a:t>
             </a:fld>
             <a:endParaRPr lang="en-US"/>
           </a:p>
@@ -2260,7 +2259,7 @@
           <a:p>
             <a:fld id="{11760CE0-2B69-B54B-8FC7-76920B86A41F}" type="datetimeFigureOut">
               <a:rPr lang="en-US" smtClean="0"/>
-              <a:t>3/27/16</a:t>
+              <a:t>6/30/16</a:t>
             </a:fld>
             <a:endParaRPr lang="en-US"/>
           </a:p>
@@ -2513,7 +2512,7 @@
           <a:p>
             <a:fld id="{11760CE0-2B69-B54B-8FC7-76920B86A41F}" type="datetimeFigureOut">
               <a:rPr lang="en-US" smtClean="0"/>
-              <a:t>3/27/16</a:t>
+              <a:t>6/30/16</a:t>
             </a:fld>
             <a:endParaRPr lang="en-US"/>
           </a:p>
@@ -2726,7 +2725,7 @@
           <a:p>
             <a:fld id="{11760CE0-2B69-B54B-8FC7-76920B86A41F}" type="datetimeFigureOut">
               <a:rPr lang="en-US" smtClean="0"/>
-              <a:t>3/27/16</a:t>
+              <a:t>6/30/16</a:t>
             </a:fld>
             <a:endParaRPr lang="en-US"/>
           </a:p>
@@ -4498,609 +4497,24 @@
           </a:p>
         </p:txBody>
       </p:sp>
-    </p:spTree>
-    <p:extLst>
-      <p:ext uri="{BB962C8B-B14F-4D97-AF65-F5344CB8AC3E}">
-        <p14:creationId xmlns:p14="http://schemas.microsoft.com/office/powerpoint/2010/main" val="1946009248"/>
-      </p:ext>
-    </p:extLst>
-  </p:cSld>
-  <p:clrMapOvr>
-    <a:masterClrMapping/>
-  </p:clrMapOvr>
-  <p:timing>
-    <p:tnLst>
-      <p:par>
-        <p:cTn xmlns:p14="http://schemas.microsoft.com/office/powerpoint/2010/main" id="1" dur="indefinite" restart="never" nodeType="tmRoot"/>
-      </p:par>
-    </p:tnLst>
-  </p:timing>
-</p:sld>
-</file>
-
-<file path=ppt/slides/slide2.xml><?xml version="1.0" encoding="utf-8"?>
-<p:sld xmlns:a="http://schemas.openxmlformats.org/drawingml/2006/main" xmlns:r="http://schemas.openxmlformats.org/officeDocument/2006/relationships" xmlns:p="http://schemas.openxmlformats.org/presentationml/2006/main">
-  <p:cSld>
-    <p:spTree>
-      <p:nvGrpSpPr>
-        <p:cNvPr id="1" name=""/>
-        <p:cNvGrpSpPr/>
-        <p:nvPr/>
-      </p:nvGrpSpPr>
-      <p:grpSpPr>
-        <a:xfrm>
-          <a:off x="0" y="0"/>
-          <a:ext cx="0" cy="0"/>
-          <a:chOff x="0" y="0"/>
-          <a:chExt cx="0" cy="0"/>
-        </a:xfrm>
-      </p:grpSpPr>
-      <p:pic>
-        <p:nvPicPr>
-          <p:cNvPr id="3" name="Picture 2" descr="Orient3.png"/>
-          <p:cNvPicPr>
-            <a:picLocks noChangeAspect="1"/>
-          </p:cNvPicPr>
-          <p:nvPr/>
-        </p:nvPicPr>
-        <p:blipFill>
-          <a:blip r:embed="rId2" cstate="email">
-            <a:extLst>
-              <a:ext uri="{28A0092B-C50C-407E-A947-70E740481C1C}">
-                <a14:useLocalDpi xmlns:a14="http://schemas.microsoft.com/office/drawing/2010/main"/>
-              </a:ext>
-            </a:extLst>
-          </a:blip>
-          <a:stretch>
-            <a:fillRect/>
-          </a:stretch>
-        </p:blipFill>
-        <p:spPr>
-          <a:xfrm>
-            <a:off x="-2922721" y="-610312"/>
-            <a:ext cx="5658649" cy="3183778"/>
-          </a:xfrm>
-          <a:prstGeom prst="rect">
-            <a:avLst/>
-          </a:prstGeom>
-        </p:spPr>
-      </p:pic>
-      <p:sp>
-        <p:nvSpPr>
-          <p:cNvPr id="94" name="Rectangle 93"/>
-          <p:cNvSpPr/>
-          <p:nvPr/>
-        </p:nvSpPr>
-        <p:spPr>
-          <a:xfrm>
-            <a:off x="2618568" y="3652853"/>
-            <a:ext cx="155458" cy="3217674"/>
-          </a:xfrm>
-          <a:prstGeom prst="rect">
-            <a:avLst/>
-          </a:prstGeom>
-          <a:noFill/>
-          <a:ln w="25400">
-            <a:solidFill>
-              <a:srgbClr val="008000"/>
-            </a:solidFill>
-            <a:prstDash val="sysDash"/>
-          </a:ln>
-        </p:spPr>
-        <p:style>
-          <a:lnRef idx="1">
-            <a:schemeClr val="accent1"/>
-          </a:lnRef>
-          <a:fillRef idx="3">
-            <a:schemeClr val="accent1"/>
-          </a:fillRef>
-          <a:effectRef idx="2">
-            <a:schemeClr val="accent1"/>
-          </a:effectRef>
-          <a:fontRef idx="minor">
-            <a:schemeClr val="lt1"/>
-          </a:fontRef>
-        </p:style>
-        <p:txBody>
-          <a:bodyPr rtlCol="0" anchor="ctr"/>
-          <a:lstStyle/>
-          <a:p>
-            <a:pPr algn="ctr"/>
-            <a:endParaRPr lang="en-US"/>
-          </a:p>
-        </p:txBody>
-      </p:sp>
-      <p:sp>
-        <p:nvSpPr>
-          <p:cNvPr id="95" name="Rectangle 94"/>
-          <p:cNvSpPr/>
-          <p:nvPr/>
-        </p:nvSpPr>
-        <p:spPr>
-          <a:xfrm>
-            <a:off x="325412" y="4941456"/>
-            <a:ext cx="2063162" cy="1687484"/>
-          </a:xfrm>
-          <a:prstGeom prst="rect">
-            <a:avLst/>
-          </a:prstGeom>
-          <a:noFill/>
-          <a:ln>
-            <a:solidFill>
-              <a:schemeClr val="accent6">
-                <a:lumMod val="50000"/>
-              </a:schemeClr>
-            </a:solidFill>
-          </a:ln>
-        </p:spPr>
-        <p:style>
-          <a:lnRef idx="1">
-            <a:schemeClr val="accent1"/>
-          </a:lnRef>
-          <a:fillRef idx="3">
-            <a:schemeClr val="accent1"/>
-          </a:fillRef>
-          <a:effectRef idx="2">
-            <a:schemeClr val="accent1"/>
-          </a:effectRef>
-          <a:fontRef idx="minor">
-            <a:schemeClr val="lt1"/>
-          </a:fontRef>
-        </p:style>
-        <p:txBody>
-          <a:bodyPr rtlCol="0" anchor="ctr"/>
-          <a:lstStyle/>
-          <a:p>
-            <a:endParaRPr lang="en-US" sz="2400" dirty="0" smtClean="0">
-              <a:solidFill>
-                <a:schemeClr val="tx1"/>
-              </a:solidFill>
-            </a:endParaRPr>
-          </a:p>
-          <a:p>
-            <a:r>
-              <a:rPr lang="en-US" sz="1600" dirty="0" smtClean="0">
-                <a:solidFill>
-                  <a:schemeClr val="tx1"/>
-                </a:solidFill>
-              </a:rPr>
-              <a:t>Detected Robots</a:t>
-            </a:r>
-          </a:p>
-          <a:p>
-            <a:r>
-              <a:rPr lang="en-US" sz="1600" dirty="0" smtClean="0">
-                <a:solidFill>
-                  <a:schemeClr val="tx1"/>
-                </a:solidFill>
-              </a:rPr>
-              <a:t>Mean Position           </a:t>
-            </a:r>
-            <a:r>
-              <a:rPr lang="en-US" sz="1600" dirty="0" smtClean="0">
-                <a:solidFill>
-                  <a:srgbClr val="FF0000"/>
-                </a:solidFill>
-                <a:latin typeface="ＭＳ ゴシック"/>
-                <a:ea typeface="ＭＳ ゴシック"/>
-                <a:cs typeface="ＭＳ ゴシック"/>
-              </a:rPr>
-              <a:t>+</a:t>
-            </a:r>
-            <a:endParaRPr lang="en-US" sz="1600" dirty="0" smtClean="0">
-              <a:solidFill>
-                <a:srgbClr val="FF0000"/>
-              </a:solidFill>
-            </a:endParaRPr>
-          </a:p>
-          <a:p>
-            <a:r>
-              <a:rPr lang="en-US" sz="1600" dirty="0" smtClean="0">
-                <a:solidFill>
-                  <a:schemeClr val="tx1"/>
-                </a:solidFill>
-              </a:rPr>
-              <a:t>Covariance Ellipse</a:t>
-            </a:r>
-          </a:p>
-          <a:p>
-            <a:r>
-              <a:rPr lang="en-US" sz="1600" dirty="0" smtClean="0">
-                <a:solidFill>
-                  <a:schemeClr val="tx1"/>
-                </a:solidFill>
-              </a:rPr>
-              <a:t>Object</a:t>
-            </a:r>
-          </a:p>
-          <a:p>
-            <a:r>
-              <a:rPr lang="en-US" sz="1600" dirty="0" smtClean="0">
-                <a:solidFill>
-                  <a:schemeClr val="tx1"/>
-                </a:solidFill>
-              </a:rPr>
-              <a:t>Goal</a:t>
-            </a:r>
-          </a:p>
-          <a:p>
-            <a:r>
-              <a:rPr lang="en-US" sz="1600" dirty="0" smtClean="0">
-                <a:solidFill>
-                  <a:schemeClr val="tx1"/>
-                </a:solidFill>
-              </a:rPr>
-              <a:t>Pivot</a:t>
-            </a:r>
-            <a:endParaRPr lang="ar-IQ" sz="1600" dirty="0" smtClean="0">
-              <a:solidFill>
-                <a:schemeClr val="tx1"/>
-              </a:solidFill>
-            </a:endParaRPr>
-          </a:p>
-          <a:p>
-            <a:endParaRPr lang="en-US" sz="1600" dirty="0" smtClean="0">
-              <a:solidFill>
-                <a:schemeClr val="tx1"/>
-              </a:solidFill>
-            </a:endParaRPr>
-          </a:p>
-          <a:p>
-            <a:endParaRPr lang="en-US" sz="1600" dirty="0"/>
-          </a:p>
-        </p:txBody>
-      </p:sp>
-      <p:pic>
-        <p:nvPicPr>
-          <p:cNvPr id="96" name="Picture 95" descr="Robot.png"/>
-          <p:cNvPicPr>
-            <a:picLocks noChangeAspect="1"/>
-          </p:cNvPicPr>
-          <p:nvPr/>
-        </p:nvPicPr>
-        <p:blipFill>
-          <a:blip r:embed="rId3" cstate="email">
-            <a:extLst>
-              <a:ext uri="{28A0092B-C50C-407E-A947-70E740481C1C}">
-                <a14:useLocalDpi xmlns:a14="http://schemas.microsoft.com/office/drawing/2010/main"/>
-              </a:ext>
-            </a:extLst>
-          </a:blip>
-          <a:stretch>
-            <a:fillRect/>
-          </a:stretch>
-        </p:blipFill>
-        <p:spPr>
-          <a:xfrm>
-            <a:off x="2063173" y="5064775"/>
-            <a:ext cx="156226" cy="176255"/>
-          </a:xfrm>
-          <a:prstGeom prst="rect">
-            <a:avLst/>
-          </a:prstGeom>
-        </p:spPr>
-      </p:pic>
-      <p:sp>
-        <p:nvSpPr>
-          <p:cNvPr id="97" name="Rectangle 96"/>
-          <p:cNvSpPr/>
-          <p:nvPr/>
-        </p:nvSpPr>
-        <p:spPr>
-          <a:xfrm>
-            <a:off x="1977217" y="5787911"/>
-            <a:ext cx="370706" cy="119593"/>
-          </a:xfrm>
-          <a:prstGeom prst="rect">
-            <a:avLst/>
-          </a:prstGeom>
-          <a:solidFill>
-            <a:srgbClr val="BB277E"/>
-          </a:solidFill>
-          <a:ln>
-            <a:solidFill>
-              <a:srgbClr val="BB277E"/>
-            </a:solidFill>
-          </a:ln>
-        </p:spPr>
-        <p:style>
-          <a:lnRef idx="1">
-            <a:schemeClr val="accent1"/>
-          </a:lnRef>
-          <a:fillRef idx="3">
-            <a:schemeClr val="accent1"/>
-          </a:fillRef>
-          <a:effectRef idx="2">
-            <a:schemeClr val="accent1"/>
-          </a:effectRef>
-          <a:fontRef idx="minor">
-            <a:schemeClr val="lt1"/>
-          </a:fontRef>
-        </p:style>
-        <p:txBody>
-          <a:bodyPr rtlCol="0" anchor="ctr"/>
-          <a:lstStyle/>
-          <a:p>
-            <a:pPr algn="ctr"/>
-            <a:endParaRPr lang="en-US"/>
-          </a:p>
-        </p:txBody>
-      </p:sp>
-      <p:sp>
-        <p:nvSpPr>
-          <p:cNvPr id="100" name="Oval 99"/>
-          <p:cNvSpPr>
-            <a:spLocks noChangeAspect="1"/>
-          </p:cNvSpPr>
-          <p:nvPr/>
-        </p:nvSpPr>
-        <p:spPr>
-          <a:xfrm>
-            <a:off x="2644488" y="6751824"/>
-            <a:ext cx="91440" cy="91440"/>
-          </a:xfrm>
-          <a:prstGeom prst="ellipse">
-            <a:avLst/>
-          </a:prstGeom>
-          <a:solidFill>
-            <a:srgbClr val="FF0000"/>
-          </a:solidFill>
-          <a:ln>
-            <a:solidFill>
-              <a:schemeClr val="tx1"/>
-            </a:solidFill>
-          </a:ln>
-        </p:spPr>
-        <p:style>
-          <a:lnRef idx="1">
-            <a:schemeClr val="accent1"/>
-          </a:lnRef>
-          <a:fillRef idx="3">
-            <a:schemeClr val="accent1"/>
-          </a:fillRef>
-          <a:effectRef idx="2">
-            <a:schemeClr val="accent1"/>
-          </a:effectRef>
-          <a:fontRef idx="minor">
-            <a:schemeClr val="lt1"/>
-          </a:fontRef>
-        </p:style>
-        <p:txBody>
-          <a:bodyPr rtlCol="0" anchor="ctr"/>
-          <a:lstStyle/>
-          <a:p>
-            <a:pPr algn="ctr"/>
-            <a:endParaRPr lang="en-US"/>
-          </a:p>
-        </p:txBody>
-      </p:sp>
-      <p:sp>
-        <p:nvSpPr>
-          <p:cNvPr id="101" name="Oval 100"/>
-          <p:cNvSpPr/>
-          <p:nvPr/>
-        </p:nvSpPr>
-        <p:spPr>
-          <a:xfrm>
-            <a:off x="2001817" y="5566787"/>
-            <a:ext cx="341579" cy="108729"/>
-          </a:xfrm>
-          <a:prstGeom prst="ellipse">
-            <a:avLst/>
-          </a:prstGeom>
-          <a:noFill/>
-          <a:ln>
-            <a:solidFill>
-              <a:srgbClr val="FF0000"/>
-            </a:solidFill>
-          </a:ln>
-        </p:spPr>
-        <p:style>
-          <a:lnRef idx="1">
-            <a:schemeClr val="accent1"/>
-          </a:lnRef>
-          <a:fillRef idx="3">
-            <a:schemeClr val="accent1"/>
-          </a:fillRef>
-          <a:effectRef idx="2">
-            <a:schemeClr val="accent1"/>
-          </a:effectRef>
-          <a:fontRef idx="minor">
-            <a:schemeClr val="lt1"/>
-          </a:fontRef>
-        </p:style>
-        <p:txBody>
-          <a:bodyPr rtlCol="0" anchor="ctr"/>
-          <a:lstStyle/>
-          <a:p>
-            <a:pPr algn="ctr"/>
-            <a:endParaRPr lang="en-US"/>
-          </a:p>
-        </p:txBody>
-      </p:sp>
-      <p:pic>
-        <p:nvPicPr>
-          <p:cNvPr id="46" name="Picture 45" descr="Stright2.png"/>
-          <p:cNvPicPr>
-            <a:picLocks noChangeAspect="1"/>
-          </p:cNvPicPr>
-          <p:nvPr/>
-        </p:nvPicPr>
-        <p:blipFill>
-          <a:blip r:embed="rId4" cstate="email">
-            <a:extLst>
-              <a:ext uri="{28A0092B-C50C-407E-A947-70E740481C1C}">
-                <a14:useLocalDpi xmlns:a14="http://schemas.microsoft.com/office/drawing/2010/main"/>
-              </a:ext>
-            </a:extLst>
-          </a:blip>
-          <a:stretch>
-            <a:fillRect/>
-          </a:stretch>
-        </p:blipFill>
-        <p:spPr>
-          <a:xfrm>
-            <a:off x="-37289" y="105489"/>
-            <a:ext cx="1992462" cy="2465918"/>
-          </a:xfrm>
-          <a:prstGeom prst="rect">
-            <a:avLst/>
-          </a:prstGeom>
-        </p:spPr>
-      </p:pic>
-      <p:sp>
-        <p:nvSpPr>
-          <p:cNvPr id="59" name="TextBox 58"/>
-          <p:cNvSpPr txBox="1"/>
-          <p:nvPr/>
-        </p:nvSpPr>
-        <p:spPr>
-          <a:xfrm>
-            <a:off x="268818" y="2966232"/>
-            <a:ext cx="372534" cy="369332"/>
-          </a:xfrm>
-          <a:prstGeom prst="rect">
-            <a:avLst/>
-          </a:prstGeom>
-          <a:noFill/>
-        </p:spPr>
-        <p:txBody>
-          <a:bodyPr wrap="square" rtlCol="0">
-            <a:spAutoFit/>
-          </a:bodyPr>
-          <a:lstStyle/>
-          <a:p>
-            <a:r>
-              <a:rPr lang="en-US" dirty="0"/>
-              <a:t>c</a:t>
-            </a:r>
-            <a:r>
-              <a:rPr lang="en-US" dirty="0" smtClean="0"/>
-              <a:t>)</a:t>
-            </a:r>
-            <a:endParaRPr lang="en-US" dirty="0"/>
-          </a:p>
-        </p:txBody>
-      </p:sp>
-      <p:sp>
-        <p:nvSpPr>
-          <p:cNvPr id="60" name="TextBox 59"/>
-          <p:cNvSpPr txBox="1"/>
-          <p:nvPr/>
-        </p:nvSpPr>
-        <p:spPr>
-          <a:xfrm>
-            <a:off x="2924236" y="5264691"/>
-            <a:ext cx="355600" cy="523220"/>
-          </a:xfrm>
-          <a:prstGeom prst="rect">
-            <a:avLst/>
-          </a:prstGeom>
-          <a:noFill/>
-        </p:spPr>
-        <p:txBody>
-          <a:bodyPr wrap="square" rtlCol="0">
-            <a:spAutoFit/>
-          </a:bodyPr>
-          <a:lstStyle/>
-          <a:p>
-            <a:r>
-              <a:rPr lang="en-US" sz="2800" i="1" dirty="0" err="1" smtClean="0">
-                <a:latin typeface="Times New Roman"/>
-                <a:cs typeface="Times New Roman"/>
-              </a:rPr>
-              <a:t>θ</a:t>
-            </a:r>
-            <a:endParaRPr lang="en-US" sz="2800" i="1" dirty="0">
-              <a:latin typeface="Times New Roman"/>
-              <a:cs typeface="Times New Roman"/>
-            </a:endParaRPr>
-          </a:p>
-        </p:txBody>
-      </p:sp>
-      <p:sp>
-        <p:nvSpPr>
-          <p:cNvPr id="61" name="Up Arrow 60"/>
-          <p:cNvSpPr/>
-          <p:nvPr/>
-        </p:nvSpPr>
-        <p:spPr>
-          <a:xfrm>
-            <a:off x="4569884" y="4522473"/>
-            <a:ext cx="916516" cy="1839072"/>
-          </a:xfrm>
-          <a:prstGeom prst="upArrow">
-            <a:avLst/>
-          </a:prstGeom>
-          <a:gradFill>
-            <a:gsLst>
-              <a:gs pos="0">
-                <a:srgbClr val="1A56C1"/>
-              </a:gs>
-              <a:gs pos="100000">
-                <a:schemeClr val="accent1">
-                  <a:lumMod val="20000"/>
-                  <a:lumOff val="80000"/>
-                </a:schemeClr>
-              </a:gs>
-            </a:gsLst>
-          </a:gradFill>
-        </p:spPr>
-        <p:style>
-          <a:lnRef idx="1">
-            <a:schemeClr val="accent1"/>
-          </a:lnRef>
-          <a:fillRef idx="3">
-            <a:schemeClr val="accent1"/>
-          </a:fillRef>
-          <a:effectRef idx="2">
-            <a:schemeClr val="accent1"/>
-          </a:effectRef>
-          <a:fontRef idx="minor">
-            <a:schemeClr val="lt1"/>
-          </a:fontRef>
-        </p:style>
-        <p:txBody>
-          <a:bodyPr vert="vert" rtlCol="0" anchor="ctr"/>
-          <a:lstStyle/>
-          <a:p>
-            <a:pPr algn="ctr"/>
-            <a:r>
-              <a:rPr lang="en-US" dirty="0" smtClean="0">
-                <a:solidFill>
-                  <a:schemeClr val="tx1"/>
-                </a:solidFill>
-              </a:rPr>
-              <a:t>Light Direction</a:t>
-            </a:r>
-            <a:endParaRPr lang="en-US" dirty="0">
-              <a:solidFill>
-                <a:schemeClr val="tx1"/>
-              </a:solidFill>
-            </a:endParaRPr>
-          </a:p>
-        </p:txBody>
-      </p:sp>
       <p:cxnSp>
         <p:nvCxnSpPr>
-          <p:cNvPr id="62" name="Straight Arrow Connector 61"/>
+          <p:cNvPr id="4" name="Straight Connector 3"/>
           <p:cNvCxnSpPr/>
           <p:nvPr/>
         </p:nvCxnSpPr>
         <p:spPr>
-          <a:xfrm>
-            <a:off x="505885" y="1296652"/>
-            <a:ext cx="664633" cy="1285193"/>
-          </a:xfrm>
-          <a:prstGeom prst="straightConnector1">
+          <a:xfrm flipV="1">
+            <a:off x="4634353" y="3105691"/>
+            <a:ext cx="371114" cy="11546"/>
+          </a:xfrm>
+          <a:prstGeom prst="line">
             <a:avLst/>
           </a:prstGeom>
           <a:ln>
             <a:solidFill>
               <a:schemeClr val="tx1"/>
             </a:solidFill>
-            <a:headEnd type="stealth" w="med" len="lg"/>
-            <a:tailEnd type="stealth" w="med" len="lg"/>
           </a:ln>
           <a:effectLst/>
         </p:spPr>
@@ -5119,92 +4533,16 @@
           </a:fontRef>
         </p:style>
       </p:cxnSp>
-      <p:cxnSp>
-        <p:nvCxnSpPr>
-          <p:cNvPr id="63" name="Straight Arrow Connector 62"/>
-          <p:cNvCxnSpPr/>
-          <p:nvPr/>
-        </p:nvCxnSpPr>
-        <p:spPr>
-          <a:xfrm flipH="1">
-            <a:off x="376362" y="1271273"/>
-            <a:ext cx="160004" cy="91141"/>
-          </a:xfrm>
-          <a:prstGeom prst="straightConnector1">
-            <a:avLst/>
-          </a:prstGeom>
-          <a:ln w="9525" cmpd="sng">
-            <a:solidFill>
-              <a:schemeClr val="tx1"/>
-            </a:solidFill>
-            <a:headEnd type="none" w="med" len="lg"/>
-            <a:tailEnd type="none" w="med" len="lg"/>
-          </a:ln>
-          <a:effectLst/>
-        </p:spPr>
-        <p:style>
-          <a:lnRef idx="2">
-            <a:schemeClr val="accent1"/>
-          </a:lnRef>
-          <a:fillRef idx="0">
-            <a:schemeClr val="accent1"/>
-          </a:fillRef>
-          <a:effectRef idx="1">
-            <a:schemeClr val="accent1"/>
-          </a:effectRef>
-          <a:fontRef idx="minor">
-            <a:schemeClr val="tx1"/>
-          </a:fontRef>
-        </p:style>
-      </p:cxnSp>
-      <p:cxnSp>
-        <p:nvCxnSpPr>
-          <p:cNvPr id="64" name="Straight Arrow Connector 63"/>
-          <p:cNvCxnSpPr/>
-          <p:nvPr/>
-        </p:nvCxnSpPr>
-        <p:spPr>
-          <a:xfrm flipH="1">
-            <a:off x="1111683" y="2535548"/>
-            <a:ext cx="160004" cy="91141"/>
-          </a:xfrm>
-          <a:prstGeom prst="straightConnector1">
-            <a:avLst/>
-          </a:prstGeom>
-          <a:ln w="9525" cmpd="sng">
-            <a:solidFill>
-              <a:schemeClr val="tx1"/>
-            </a:solidFill>
-            <a:headEnd type="none" w="med" len="lg"/>
-            <a:tailEnd type="none" w="med" len="lg"/>
-          </a:ln>
-          <a:effectLst/>
-        </p:spPr>
-        <p:style>
-          <a:lnRef idx="2">
-            <a:schemeClr val="accent1"/>
-          </a:lnRef>
-          <a:fillRef idx="0">
-            <a:schemeClr val="accent1"/>
-          </a:fillRef>
-          <a:effectRef idx="1">
-            <a:schemeClr val="accent1"/>
-          </a:effectRef>
-          <a:fontRef idx="minor">
-            <a:schemeClr val="tx1"/>
-          </a:fontRef>
-        </p:style>
-      </p:cxnSp>
-      <p:sp>
-        <p:nvSpPr>
-          <p:cNvPr id="65" name="TextBox 64"/>
+      <p:sp>
+        <p:nvSpPr>
+          <p:cNvPr id="5" name="TextBox 4"/>
           <p:cNvSpPr txBox="1"/>
           <p:nvPr/>
         </p:nvSpPr>
         <p:spPr>
           <a:xfrm>
-            <a:off x="505885" y="1724900"/>
-            <a:ext cx="372534" cy="369332"/>
+            <a:off x="4507429" y="3059512"/>
+            <a:ext cx="806399" cy="307777"/>
           </a:xfrm>
           <a:prstGeom prst="rect">
             <a:avLst/>
@@ -5218,445 +4556,17 @@
           <a:lstStyle/>
           <a:p>
             <a:r>
-              <a:rPr lang="en-US" i="1" dirty="0" smtClean="0">
-                <a:latin typeface="Times New Roman"/>
-                <a:cs typeface="Times New Roman"/>
-              </a:rPr>
-              <a:t>r</a:t>
-            </a:r>
-            <a:endParaRPr lang="en-US" i="1" dirty="0">
-              <a:latin typeface="Times New Roman"/>
-              <a:cs typeface="Times New Roman"/>
-            </a:endParaRPr>
-          </a:p>
-        </p:txBody>
-      </p:sp>
-      <p:sp>
-        <p:nvSpPr>
-          <p:cNvPr id="66" name="Arc 65"/>
-          <p:cNvSpPr/>
-          <p:nvPr/>
-        </p:nvSpPr>
-        <p:spPr>
-          <a:xfrm>
-            <a:off x="1170518" y="5173481"/>
-            <a:ext cx="3000223" cy="3000223"/>
-          </a:xfrm>
-          <a:prstGeom prst="arc">
-            <a:avLst>
-              <a:gd name="adj1" fmla="val 16403490"/>
-              <a:gd name="adj2" fmla="val 18352254"/>
-            </a:avLst>
-          </a:prstGeom>
-          <a:ln w="50800">
-            <a:solidFill>
-              <a:schemeClr val="tx1"/>
-            </a:solidFill>
-            <a:headEnd type="stealth" w="med" len="lg"/>
-            <a:tailEnd type="none" w="med" len="lg"/>
-          </a:ln>
-          <a:effectLst/>
-        </p:spPr>
-        <p:style>
-          <a:lnRef idx="2">
-            <a:schemeClr val="accent1"/>
-          </a:lnRef>
-          <a:fillRef idx="0">
-            <a:schemeClr val="accent1"/>
-          </a:fillRef>
-          <a:effectRef idx="1">
-            <a:schemeClr val="accent1"/>
-          </a:effectRef>
-          <a:fontRef idx="minor">
-            <a:schemeClr val="tx1"/>
-          </a:fontRef>
-        </p:style>
-        <p:txBody>
-          <a:bodyPr rtlCol="0" anchor="ctr"/>
-          <a:lstStyle/>
-          <a:p>
-            <a:pPr algn="ctr"/>
-            <a:endParaRPr lang="en-US"/>
-          </a:p>
-        </p:txBody>
-      </p:sp>
-      <p:cxnSp>
-        <p:nvCxnSpPr>
-          <p:cNvPr id="67" name="Straight Arrow Connector 66"/>
-          <p:cNvCxnSpPr/>
-          <p:nvPr/>
-        </p:nvCxnSpPr>
-        <p:spPr>
-          <a:xfrm flipH="1">
-            <a:off x="895607" y="395378"/>
-            <a:ext cx="160004" cy="119364"/>
-          </a:xfrm>
-          <a:prstGeom prst="straightConnector1">
-            <a:avLst/>
-          </a:prstGeom>
-          <a:ln w="19050">
-            <a:solidFill>
-              <a:schemeClr val="tx1"/>
-            </a:solidFill>
-            <a:headEnd type="none" w="med" len="lg"/>
-            <a:tailEnd type="stealth" w="med" len="lg"/>
-          </a:ln>
-          <a:effectLst/>
-        </p:spPr>
-        <p:style>
-          <a:lnRef idx="2">
-            <a:schemeClr val="accent1"/>
-          </a:lnRef>
-          <a:fillRef idx="0">
-            <a:schemeClr val="accent1"/>
-          </a:fillRef>
-          <a:effectRef idx="1">
-            <a:schemeClr val="accent1"/>
-          </a:effectRef>
-          <a:fontRef idx="minor">
-            <a:schemeClr val="tx1"/>
-          </a:fontRef>
-        </p:style>
-      </p:cxnSp>
-      <p:sp>
-        <p:nvSpPr>
-          <p:cNvPr id="68" name="TextBox 67"/>
-          <p:cNvSpPr txBox="1"/>
-          <p:nvPr/>
-        </p:nvSpPr>
-        <p:spPr>
-          <a:xfrm>
-            <a:off x="1042246" y="145410"/>
-            <a:ext cx="905933" cy="369332"/>
-          </a:xfrm>
-          <a:prstGeom prst="rect">
-            <a:avLst/>
-          </a:prstGeom>
-          <a:noFill/>
-        </p:spPr>
-        <p:txBody>
-          <a:bodyPr wrap="square" rtlCol="0">
-            <a:spAutoFit/>
-          </a:bodyPr>
-          <a:lstStyle/>
-          <a:p>
-            <a:r>
-              <a:rPr lang="en-US" dirty="0" smtClean="0"/>
-              <a:t>robots</a:t>
-            </a:r>
-            <a:endParaRPr lang="en-US" dirty="0"/>
-          </a:p>
-        </p:txBody>
-      </p:sp>
-      <p:sp>
-        <p:nvSpPr>
-          <p:cNvPr id="70" name="TextBox 69"/>
-          <p:cNvSpPr txBox="1"/>
-          <p:nvPr/>
-        </p:nvSpPr>
-        <p:spPr>
-          <a:xfrm>
-            <a:off x="1313466" y="1540234"/>
-            <a:ext cx="905933" cy="369332"/>
-          </a:xfrm>
-          <a:prstGeom prst="rect">
-            <a:avLst/>
-          </a:prstGeom>
-          <a:noFill/>
-        </p:spPr>
-        <p:txBody>
-          <a:bodyPr wrap="square" rtlCol="0">
-            <a:spAutoFit/>
-          </a:bodyPr>
-          <a:lstStyle/>
-          <a:p>
-            <a:r>
-              <a:rPr lang="en-US" dirty="0" smtClean="0"/>
-              <a:t>object</a:t>
-            </a:r>
-            <a:endParaRPr lang="en-US" dirty="0"/>
-          </a:p>
-        </p:txBody>
-      </p:sp>
-      <p:cxnSp>
-        <p:nvCxnSpPr>
-          <p:cNvPr id="71" name="Straight Arrow Connector 70"/>
-          <p:cNvCxnSpPr>
-            <a:stCxn id="70" idx="1"/>
-          </p:cNvCxnSpPr>
-          <p:nvPr/>
-        </p:nvCxnSpPr>
-        <p:spPr>
-          <a:xfrm flipH="1">
-            <a:off x="1111683" y="1724900"/>
-            <a:ext cx="201783" cy="369332"/>
-          </a:xfrm>
-          <a:prstGeom prst="straightConnector1">
-            <a:avLst/>
-          </a:prstGeom>
-          <a:ln w="19050">
-            <a:solidFill>
-              <a:schemeClr val="tx1"/>
-            </a:solidFill>
-            <a:headEnd type="none" w="med" len="lg"/>
-            <a:tailEnd type="stealth" w="med" len="lg"/>
-          </a:ln>
-          <a:effectLst/>
-        </p:spPr>
-        <p:style>
-          <a:lnRef idx="2">
-            <a:schemeClr val="accent1"/>
-          </a:lnRef>
-          <a:fillRef idx="0">
-            <a:schemeClr val="accent1"/>
-          </a:fillRef>
-          <a:effectRef idx="1">
-            <a:schemeClr val="accent1"/>
-          </a:effectRef>
-          <a:fontRef idx="minor">
-            <a:schemeClr val="tx1"/>
-          </a:fontRef>
-        </p:style>
-      </p:cxnSp>
-      <p:sp>
-        <p:nvSpPr>
-          <p:cNvPr id="74" name="TextBox 73"/>
-          <p:cNvSpPr txBox="1"/>
-          <p:nvPr/>
-        </p:nvSpPr>
-        <p:spPr>
-          <a:xfrm>
-            <a:off x="1286189" y="1932780"/>
-            <a:ext cx="1553968" cy="369332"/>
-          </a:xfrm>
-          <a:prstGeom prst="rect">
-            <a:avLst/>
-          </a:prstGeom>
-          <a:noFill/>
-        </p:spPr>
-        <p:txBody>
-          <a:bodyPr wrap="square" rtlCol="0">
-            <a:spAutoFit/>
-          </a:bodyPr>
-          <a:lstStyle/>
-          <a:p>
-            <a:r>
-              <a:rPr lang="en-US" dirty="0" smtClean="0"/>
-              <a:t>pivot</a:t>
-            </a:r>
-            <a:endParaRPr lang="en-US" dirty="0"/>
-          </a:p>
-        </p:txBody>
-      </p:sp>
-      <p:sp>
-        <p:nvSpPr>
-          <p:cNvPr id="78" name="TextBox 77"/>
-          <p:cNvSpPr txBox="1"/>
-          <p:nvPr/>
-        </p:nvSpPr>
-        <p:spPr>
-          <a:xfrm>
-            <a:off x="1463940" y="795134"/>
-            <a:ext cx="1198466" cy="646331"/>
-          </a:xfrm>
-          <a:prstGeom prst="rect">
-            <a:avLst/>
-          </a:prstGeom>
-          <a:noFill/>
-        </p:spPr>
-        <p:txBody>
-          <a:bodyPr wrap="square" rtlCol="0">
-            <a:spAutoFit/>
-          </a:bodyPr>
-          <a:lstStyle/>
-          <a:p>
-            <a:r>
-              <a:rPr lang="en-US" dirty="0" smtClean="0"/>
-              <a:t>mean</a:t>
-            </a:r>
-          </a:p>
-          <a:p>
-            <a:r>
-              <a:rPr lang="en-US" dirty="0" smtClean="0"/>
-              <a:t>position</a:t>
-            </a:r>
-            <a:endParaRPr lang="en-US" dirty="0"/>
-          </a:p>
-        </p:txBody>
-      </p:sp>
-      <p:cxnSp>
-        <p:nvCxnSpPr>
-          <p:cNvPr id="79" name="Straight Arrow Connector 78"/>
-          <p:cNvCxnSpPr/>
-          <p:nvPr/>
-        </p:nvCxnSpPr>
-        <p:spPr>
-          <a:xfrm flipH="1">
-            <a:off x="1042246" y="1137539"/>
-            <a:ext cx="421694" cy="0"/>
-          </a:xfrm>
-          <a:prstGeom prst="straightConnector1">
-            <a:avLst/>
-          </a:prstGeom>
-          <a:ln w="19050">
-            <a:solidFill>
-              <a:schemeClr val="tx1"/>
-            </a:solidFill>
-            <a:headEnd type="none" w="med" len="lg"/>
-            <a:tailEnd type="stealth" w="med" len="lg"/>
-          </a:ln>
-          <a:effectLst/>
-        </p:spPr>
-        <p:style>
-          <a:lnRef idx="2">
-            <a:schemeClr val="accent1"/>
-          </a:lnRef>
-          <a:fillRef idx="0">
-            <a:schemeClr val="accent1"/>
-          </a:fillRef>
-          <a:effectRef idx="1">
-            <a:schemeClr val="accent1"/>
-          </a:effectRef>
-          <a:fontRef idx="minor">
-            <a:schemeClr val="tx1"/>
-          </a:fontRef>
-        </p:style>
-      </p:cxnSp>
-      <p:cxnSp>
-        <p:nvCxnSpPr>
-          <p:cNvPr id="88" name="Straight Arrow Connector 87"/>
-          <p:cNvCxnSpPr/>
-          <p:nvPr/>
-        </p:nvCxnSpPr>
-        <p:spPr>
-          <a:xfrm flipH="1">
-            <a:off x="1370268" y="2302112"/>
-            <a:ext cx="257470" cy="145524"/>
-          </a:xfrm>
-          <a:prstGeom prst="straightConnector1">
-            <a:avLst/>
-          </a:prstGeom>
-          <a:ln w="19050">
-            <a:solidFill>
-              <a:schemeClr val="tx1"/>
-            </a:solidFill>
-            <a:headEnd type="none" w="med" len="lg"/>
-            <a:tailEnd type="stealth" w="med" len="lg"/>
-          </a:ln>
-          <a:effectLst/>
-        </p:spPr>
-        <p:style>
-          <a:lnRef idx="2">
-            <a:schemeClr val="accent1"/>
-          </a:lnRef>
-          <a:fillRef idx="0">
-            <a:schemeClr val="accent1"/>
-          </a:fillRef>
-          <a:effectRef idx="1">
-            <a:schemeClr val="accent1"/>
-          </a:effectRef>
-          <a:fontRef idx="minor">
-            <a:schemeClr val="tx1"/>
-          </a:fontRef>
-        </p:style>
-      </p:cxnSp>
-      <p:sp>
-        <p:nvSpPr>
-          <p:cNvPr id="105" name="Rectangle 104"/>
-          <p:cNvSpPr/>
-          <p:nvPr/>
-        </p:nvSpPr>
-        <p:spPr>
-          <a:xfrm>
-            <a:off x="1955173" y="6030854"/>
-            <a:ext cx="388223" cy="124911"/>
-          </a:xfrm>
-          <a:prstGeom prst="rect">
-            <a:avLst/>
-          </a:prstGeom>
-          <a:noFill/>
-          <a:ln w="25400">
-            <a:solidFill>
-              <a:srgbClr val="008000"/>
-            </a:solidFill>
-            <a:prstDash val="sysDash"/>
-          </a:ln>
-        </p:spPr>
-        <p:style>
-          <a:lnRef idx="1">
-            <a:schemeClr val="accent1"/>
-          </a:lnRef>
-          <a:fillRef idx="3">
-            <a:schemeClr val="accent1"/>
-          </a:fillRef>
-          <a:effectRef idx="2">
-            <a:schemeClr val="accent1"/>
-          </a:effectRef>
-          <a:fontRef idx="minor">
-            <a:schemeClr val="lt1"/>
-          </a:fontRef>
-        </p:style>
-        <p:txBody>
-          <a:bodyPr rtlCol="0" anchor="ctr"/>
-          <a:lstStyle/>
-          <a:p>
-            <a:pPr algn="ctr"/>
-            <a:endParaRPr lang="en-US"/>
-          </a:p>
-        </p:txBody>
-      </p:sp>
-      <p:sp>
-        <p:nvSpPr>
-          <p:cNvPr id="107" name="Oval 106"/>
-          <p:cNvSpPr>
-            <a:spLocks noChangeAspect="1"/>
-          </p:cNvSpPr>
-          <p:nvPr/>
-        </p:nvSpPr>
-        <p:spPr>
-          <a:xfrm>
-            <a:off x="2127959" y="6299819"/>
-            <a:ext cx="91440" cy="91440"/>
-          </a:xfrm>
-          <a:prstGeom prst="ellipse">
-            <a:avLst/>
-          </a:prstGeom>
-          <a:solidFill>
-            <a:srgbClr val="FF0000"/>
-          </a:solidFill>
-          <a:ln>
-            <a:solidFill>
-              <a:schemeClr val="tx1"/>
-            </a:solidFill>
-          </a:ln>
-        </p:spPr>
-        <p:style>
-          <a:lnRef idx="1">
-            <a:schemeClr val="accent1"/>
-          </a:lnRef>
-          <a:fillRef idx="3">
-            <a:schemeClr val="accent1"/>
-          </a:fillRef>
-          <a:effectRef idx="2">
-            <a:schemeClr val="accent1"/>
-          </a:effectRef>
-          <a:fontRef idx="minor">
-            <a:schemeClr val="lt1"/>
-          </a:fontRef>
-        </p:style>
-        <p:txBody>
-          <a:bodyPr rtlCol="0" anchor="ctr"/>
-          <a:lstStyle/>
-          <a:p>
-            <a:pPr algn="ctr"/>
-            <a:endParaRPr lang="en-US"/>
+              <a:rPr lang="en-US" sz="1400" dirty="0" smtClean="0"/>
+              <a:t>10 cm</a:t>
+            </a:r>
+            <a:endParaRPr lang="en-US" sz="1400" dirty="0"/>
           </a:p>
         </p:txBody>
       </p:sp>
     </p:spTree>
     <p:extLst>
       <p:ext uri="{BB962C8B-B14F-4D97-AF65-F5344CB8AC3E}">
-        <p14:creationId xmlns:p14="http://schemas.microsoft.com/office/powerpoint/2010/main" val="3770085343"/>
+        <p14:creationId xmlns:p14="http://schemas.microsoft.com/office/powerpoint/2010/main" val="1946009248"/>
       </p:ext>
     </p:extLst>
   </p:cSld>
